--- a/ECLT5840/project-3/asgn3-spec.pptx
+++ b/ECLT5840/project-3/asgn3-spec.pptx
@@ -1,6 +1,6 @@
 
 <file path=ppt/presentation.xml><?xml version="1.0" encoding="utf-8"?>
-<p:presentation xmlns:a="http://schemas.openxmlformats.org/drawingml/2006/main" xmlns:r="http://schemas.openxmlformats.org/officeDocument/2006/relationships" xmlns:p="http://schemas.openxmlformats.org/presentationml/2006/main" saveSubsetFonts="1">
+<p:presentation xmlns:a="http://schemas.openxmlformats.org/drawingml/2006/main" xmlns:r="http://schemas.openxmlformats.org/officeDocument/2006/relationships" xmlns:p="http://schemas.openxmlformats.org/presentationml/2006/main">
   <p:sldMasterIdLst>
     <p:sldMasterId id="2147483648" r:id="rId1"/>
   </p:sldMasterIdLst>
@@ -8,14 +8,14 @@
     <p:notesMasterId r:id="rId10"/>
   </p:notesMasterIdLst>
   <p:sldIdLst>
-    <p:sldId id="256" r:id="rId2"/>
-    <p:sldId id="257" r:id="rId3"/>
-    <p:sldId id="292" r:id="rId4"/>
-    <p:sldId id="279" r:id="rId5"/>
-    <p:sldId id="293" r:id="rId6"/>
-    <p:sldId id="295" r:id="rId7"/>
-    <p:sldId id="297" r:id="rId8"/>
-    <p:sldId id="268" r:id="rId9"/>
+    <p:sldId id="256" r:id="rId3"/>
+    <p:sldId id="257" r:id="rId4"/>
+    <p:sldId id="292" r:id="rId5"/>
+    <p:sldId id="279" r:id="rId6"/>
+    <p:sldId id="293" r:id="rId7"/>
+    <p:sldId id="295" r:id="rId8"/>
+    <p:sldId id="297" r:id="rId9"/>
+    <p:sldId id="268" r:id="rId11"/>
   </p:sldIdLst>
   <p:sldSz cx="12192000" cy="6858000"/>
   <p:notesSz cx="6858000" cy="9144000"/>
@@ -114,11 +114,6 @@
       </a:defRPr>
     </a:lvl9pPr>
   </p:defaultTextStyle>
-  <p:extLst>
-    <p:ext uri="{EFAFB233-063F-42B5-8137-9DF3F51BA10A}">
-      <p15:sldGuideLst xmlns:p15="http://schemas.microsoft.com/office/powerpoint/2012/main"/>
-    </p:ext>
-  </p:extLst>
 </p:presentation>
 </file>
 
@@ -204,7 +199,6 @@
           <a:p>
             <a:fld id="{CD8278BD-1635-4CF8-8A97-D579E728CAF7}" type="datetimeFigureOut">
               <a:rPr lang="en-US" smtClean="0"/>
-              <a:t>11/8/2020</a:t>
             </a:fld>
             <a:endParaRPr lang="en-US"/>
           </a:p>
@@ -271,6 +265,7 @@
               <a:rPr lang="en-US"/>
               <a:t>Click to edit Master text styles</a:t>
             </a:r>
+            <a:endParaRPr lang="en-US"/>
           </a:p>
           <a:p>
             <a:pPr lvl="1"/>
@@ -278,6 +273,7 @@
               <a:rPr lang="en-US"/>
               <a:t>Second level</a:t>
             </a:r>
+            <a:endParaRPr lang="en-US"/>
           </a:p>
           <a:p>
             <a:pPr lvl="2"/>
@@ -285,6 +281,7 @@
               <a:rPr lang="en-US"/>
               <a:t>Third level</a:t>
             </a:r>
+            <a:endParaRPr lang="en-US"/>
           </a:p>
           <a:p>
             <a:pPr lvl="3"/>
@@ -292,6 +289,7 @@
               <a:rPr lang="en-US"/>
               <a:t>Fourth level</a:t>
             </a:r>
+            <a:endParaRPr lang="en-US"/>
           </a:p>
           <a:p>
             <a:pPr lvl="4"/>
@@ -299,6 +297,7 @@
               <a:rPr lang="en-US"/>
               <a:t>Fifth level</a:t>
             </a:r>
+            <a:endParaRPr lang="en-US"/>
           </a:p>
         </p:txBody>
       </p:sp>
@@ -362,18 +361,12 @@
           <a:p>
             <a:fld id="{9CB24EE3-29FE-45F4-B2E9-19EE895854B1}" type="slidenum">
               <a:rPr lang="en-US" smtClean="0"/>
-              <a:t>‹#›</a:t>
             </a:fld>
             <a:endParaRPr lang="en-US"/>
           </a:p>
         </p:txBody>
       </p:sp>
     </p:spTree>
-    <p:extLst>
-      <p:ext uri="{BB962C8B-B14F-4D97-AF65-F5344CB8AC3E}">
-        <p14:creationId xmlns:p14="http://schemas.microsoft.com/office/powerpoint/2010/main" val="3919798404"/>
-      </p:ext>
-    </p:extLst>
   </p:cSld>
   <p:clrMap bg1="lt1" tx1="dk1" bg2="lt2" tx2="dk2" accent1="accent1" accent2="accent2" accent3="accent3" accent4="accent4" accent5="accent5" accent6="accent6" hlink="hlink" folHlink="folHlink"/>
   <p:notesStyle>
@@ -536,18 +529,12 @@
           <a:p>
             <a:fld id="{9CB24EE3-29FE-45F4-B2E9-19EE895854B1}" type="slidenum">
               <a:rPr lang="en-US" smtClean="0"/>
-              <a:t>7</a:t>
             </a:fld>
             <a:endParaRPr lang="en-US"/>
           </a:p>
         </p:txBody>
       </p:sp>
     </p:spTree>
-    <p:extLst>
-      <p:ext uri="{BB962C8B-B14F-4D97-AF65-F5344CB8AC3E}">
-        <p14:creationId xmlns:p14="http://schemas.microsoft.com/office/powerpoint/2010/main" val="128466597"/>
-      </p:ext>
-    </p:extLst>
   </p:cSld>
   <p:clrMapOvr>
     <a:masterClrMapping/>
@@ -600,6 +587,7 @@
               <a:rPr lang="en-US"/>
               <a:t>Click to edit Master title style</a:t>
             </a:r>
+            <a:endParaRPr lang="en-US"/>
           </a:p>
         </p:txBody>
       </p:sp>
@@ -664,6 +652,7 @@
               <a:rPr lang="en-US"/>
               <a:t>Click to edit Master subtitle style</a:t>
             </a:r>
+            <a:endParaRPr lang="en-US"/>
           </a:p>
         </p:txBody>
       </p:sp>
@@ -684,7 +673,6 @@
           <a:p>
             <a:fld id="{059A2738-E188-4F9C-9F82-F2F1BEF15032}" type="datetimeFigureOut">
               <a:rPr lang="en-US" smtClean="0"/>
-              <a:t>11/8/2020</a:t>
             </a:fld>
             <a:endParaRPr lang="en-US"/>
           </a:p>
@@ -726,18 +714,12 @@
           <a:p>
             <a:fld id="{664804C1-4862-4058-8DD7-73CB3463550B}" type="slidenum">
               <a:rPr lang="en-US" smtClean="0"/>
-              <a:t>‹#›</a:t>
             </a:fld>
             <a:endParaRPr lang="en-US"/>
           </a:p>
         </p:txBody>
       </p:sp>
     </p:spTree>
-    <p:extLst>
-      <p:ext uri="{BB962C8B-B14F-4D97-AF65-F5344CB8AC3E}">
-        <p14:creationId xmlns:p14="http://schemas.microsoft.com/office/powerpoint/2010/main" val="712945056"/>
-      </p:ext>
-    </p:extLst>
   </p:cSld>
   <p:clrMapOvr>
     <a:masterClrMapping/>
@@ -781,6 +763,7 @@
               <a:rPr lang="en-US"/>
               <a:t>Click to edit Master title style</a:t>
             </a:r>
+            <a:endParaRPr lang="en-US"/>
           </a:p>
         </p:txBody>
       </p:sp>
@@ -804,6 +787,7 @@
               <a:rPr lang="en-US"/>
               <a:t>Edit Master text styles</a:t>
             </a:r>
+            <a:endParaRPr lang="en-US"/>
           </a:p>
           <a:p>
             <a:pPr lvl="1"/>
@@ -811,6 +795,7 @@
               <a:rPr lang="en-US"/>
               <a:t>Second level</a:t>
             </a:r>
+            <a:endParaRPr lang="en-US"/>
           </a:p>
           <a:p>
             <a:pPr lvl="2"/>
@@ -818,6 +803,7 @@
               <a:rPr lang="en-US"/>
               <a:t>Third level</a:t>
             </a:r>
+            <a:endParaRPr lang="en-US"/>
           </a:p>
           <a:p>
             <a:pPr lvl="3"/>
@@ -825,6 +811,7 @@
               <a:rPr lang="en-US"/>
               <a:t>Fourth level</a:t>
             </a:r>
+            <a:endParaRPr lang="en-US"/>
           </a:p>
           <a:p>
             <a:pPr lvl="4"/>
@@ -832,6 +819,7 @@
               <a:rPr lang="en-US"/>
               <a:t>Fifth level</a:t>
             </a:r>
+            <a:endParaRPr lang="en-US"/>
           </a:p>
         </p:txBody>
       </p:sp>
@@ -852,7 +840,6 @@
           <a:p>
             <a:fld id="{059A2738-E188-4F9C-9F82-F2F1BEF15032}" type="datetimeFigureOut">
               <a:rPr lang="en-US" smtClean="0"/>
-              <a:t>11/8/2020</a:t>
             </a:fld>
             <a:endParaRPr lang="en-US"/>
           </a:p>
@@ -894,18 +881,12 @@
           <a:p>
             <a:fld id="{664804C1-4862-4058-8DD7-73CB3463550B}" type="slidenum">
               <a:rPr lang="en-US" smtClean="0"/>
-              <a:t>‹#›</a:t>
             </a:fld>
             <a:endParaRPr lang="en-US"/>
           </a:p>
         </p:txBody>
       </p:sp>
     </p:spTree>
-    <p:extLst>
-      <p:ext uri="{BB962C8B-B14F-4D97-AF65-F5344CB8AC3E}">
-        <p14:creationId xmlns:p14="http://schemas.microsoft.com/office/powerpoint/2010/main" val="1275734604"/>
-      </p:ext>
-    </p:extLst>
   </p:cSld>
   <p:clrMapOvr>
     <a:masterClrMapping/>
@@ -954,6 +935,7 @@
               <a:rPr lang="en-US"/>
               <a:t>Click to edit Master title style</a:t>
             </a:r>
+            <a:endParaRPr lang="en-US"/>
           </a:p>
         </p:txBody>
       </p:sp>
@@ -982,6 +964,7 @@
               <a:rPr lang="en-US"/>
               <a:t>Edit Master text styles</a:t>
             </a:r>
+            <a:endParaRPr lang="en-US"/>
           </a:p>
           <a:p>
             <a:pPr lvl="1"/>
@@ -989,6 +972,7 @@
               <a:rPr lang="en-US"/>
               <a:t>Second level</a:t>
             </a:r>
+            <a:endParaRPr lang="en-US"/>
           </a:p>
           <a:p>
             <a:pPr lvl="2"/>
@@ -996,6 +980,7 @@
               <a:rPr lang="en-US"/>
               <a:t>Third level</a:t>
             </a:r>
+            <a:endParaRPr lang="en-US"/>
           </a:p>
           <a:p>
             <a:pPr lvl="3"/>
@@ -1003,6 +988,7 @@
               <a:rPr lang="en-US"/>
               <a:t>Fourth level</a:t>
             </a:r>
+            <a:endParaRPr lang="en-US"/>
           </a:p>
           <a:p>
             <a:pPr lvl="4"/>
@@ -1010,6 +996,7 @@
               <a:rPr lang="en-US"/>
               <a:t>Fifth level</a:t>
             </a:r>
+            <a:endParaRPr lang="en-US"/>
           </a:p>
         </p:txBody>
       </p:sp>
@@ -1030,7 +1017,6 @@
           <a:p>
             <a:fld id="{059A2738-E188-4F9C-9F82-F2F1BEF15032}" type="datetimeFigureOut">
               <a:rPr lang="en-US" smtClean="0"/>
-              <a:t>11/8/2020</a:t>
             </a:fld>
             <a:endParaRPr lang="en-US"/>
           </a:p>
@@ -1072,18 +1058,12 @@
           <a:p>
             <a:fld id="{664804C1-4862-4058-8DD7-73CB3463550B}" type="slidenum">
               <a:rPr lang="en-US" smtClean="0"/>
-              <a:t>‹#›</a:t>
             </a:fld>
             <a:endParaRPr lang="en-US"/>
           </a:p>
         </p:txBody>
       </p:sp>
     </p:spTree>
-    <p:extLst>
-      <p:ext uri="{BB962C8B-B14F-4D97-AF65-F5344CB8AC3E}">
-        <p14:creationId xmlns:p14="http://schemas.microsoft.com/office/powerpoint/2010/main" val="2587467674"/>
-      </p:ext>
-    </p:extLst>
   </p:cSld>
   <p:clrMapOvr>
     <a:masterClrMapping/>
@@ -1127,6 +1107,7 @@
               <a:rPr lang="en-US"/>
               <a:t>Click to edit Master title style</a:t>
             </a:r>
+            <a:endParaRPr lang="en-US"/>
           </a:p>
         </p:txBody>
       </p:sp>
@@ -1150,6 +1131,7 @@
               <a:rPr lang="en-US"/>
               <a:t>Edit Master text styles</a:t>
             </a:r>
+            <a:endParaRPr lang="en-US"/>
           </a:p>
           <a:p>
             <a:pPr lvl="1"/>
@@ -1157,6 +1139,7 @@
               <a:rPr lang="en-US"/>
               <a:t>Second level</a:t>
             </a:r>
+            <a:endParaRPr lang="en-US"/>
           </a:p>
           <a:p>
             <a:pPr lvl="2"/>
@@ -1164,6 +1147,7 @@
               <a:rPr lang="en-US"/>
               <a:t>Third level</a:t>
             </a:r>
+            <a:endParaRPr lang="en-US"/>
           </a:p>
           <a:p>
             <a:pPr lvl="3"/>
@@ -1171,6 +1155,7 @@
               <a:rPr lang="en-US"/>
               <a:t>Fourth level</a:t>
             </a:r>
+            <a:endParaRPr lang="en-US"/>
           </a:p>
           <a:p>
             <a:pPr lvl="4"/>
@@ -1178,6 +1163,7 @@
               <a:rPr lang="en-US"/>
               <a:t>Fifth level</a:t>
             </a:r>
+            <a:endParaRPr lang="en-US"/>
           </a:p>
         </p:txBody>
       </p:sp>
@@ -1198,7 +1184,6 @@
           <a:p>
             <a:fld id="{059A2738-E188-4F9C-9F82-F2F1BEF15032}" type="datetimeFigureOut">
               <a:rPr lang="en-US" smtClean="0"/>
-              <a:t>11/8/2020</a:t>
             </a:fld>
             <a:endParaRPr lang="en-US"/>
           </a:p>
@@ -1240,18 +1225,12 @@
           <a:p>
             <a:fld id="{664804C1-4862-4058-8DD7-73CB3463550B}" type="slidenum">
               <a:rPr lang="en-US" smtClean="0"/>
-              <a:t>‹#›</a:t>
             </a:fld>
             <a:endParaRPr lang="en-US"/>
           </a:p>
         </p:txBody>
       </p:sp>
     </p:spTree>
-    <p:extLst>
-      <p:ext uri="{BB962C8B-B14F-4D97-AF65-F5344CB8AC3E}">
-        <p14:creationId xmlns:p14="http://schemas.microsoft.com/office/powerpoint/2010/main" val="313619062"/>
-      </p:ext>
-    </p:extLst>
   </p:cSld>
   <p:clrMapOvr>
     <a:masterClrMapping/>
@@ -1304,6 +1283,7 @@
               <a:rPr lang="en-US"/>
               <a:t>Click to edit Master title style</a:t>
             </a:r>
+            <a:endParaRPr lang="en-US"/>
           </a:p>
         </p:txBody>
       </p:sp>
@@ -1423,6 +1403,7 @@
               <a:rPr lang="en-US"/>
               <a:t>Edit Master text styles</a:t>
             </a:r>
+            <a:endParaRPr lang="en-US"/>
           </a:p>
         </p:txBody>
       </p:sp>
@@ -1443,7 +1424,6 @@
           <a:p>
             <a:fld id="{059A2738-E188-4F9C-9F82-F2F1BEF15032}" type="datetimeFigureOut">
               <a:rPr lang="en-US" smtClean="0"/>
-              <a:t>11/8/2020</a:t>
             </a:fld>
             <a:endParaRPr lang="en-US"/>
           </a:p>
@@ -1485,18 +1465,12 @@
           <a:p>
             <a:fld id="{664804C1-4862-4058-8DD7-73CB3463550B}" type="slidenum">
               <a:rPr lang="en-US" smtClean="0"/>
-              <a:t>‹#›</a:t>
             </a:fld>
             <a:endParaRPr lang="en-US"/>
           </a:p>
         </p:txBody>
       </p:sp>
     </p:spTree>
-    <p:extLst>
-      <p:ext uri="{BB962C8B-B14F-4D97-AF65-F5344CB8AC3E}">
-        <p14:creationId xmlns:p14="http://schemas.microsoft.com/office/powerpoint/2010/main" val="928628308"/>
-      </p:ext>
-    </p:extLst>
   </p:cSld>
   <p:clrMapOvr>
     <a:masterClrMapping/>
@@ -1540,6 +1514,7 @@
               <a:rPr lang="en-US"/>
               <a:t>Click to edit Master title style</a:t>
             </a:r>
+            <a:endParaRPr lang="en-US"/>
           </a:p>
         </p:txBody>
       </p:sp>
@@ -1568,6 +1543,7 @@
               <a:rPr lang="en-US"/>
               <a:t>Edit Master text styles</a:t>
             </a:r>
+            <a:endParaRPr lang="en-US"/>
           </a:p>
           <a:p>
             <a:pPr lvl="1"/>
@@ -1575,6 +1551,7 @@
               <a:rPr lang="en-US"/>
               <a:t>Second level</a:t>
             </a:r>
+            <a:endParaRPr lang="en-US"/>
           </a:p>
           <a:p>
             <a:pPr lvl="2"/>
@@ -1582,6 +1559,7 @@
               <a:rPr lang="en-US"/>
               <a:t>Third level</a:t>
             </a:r>
+            <a:endParaRPr lang="en-US"/>
           </a:p>
           <a:p>
             <a:pPr lvl="3"/>
@@ -1589,6 +1567,7 @@
               <a:rPr lang="en-US"/>
               <a:t>Fourth level</a:t>
             </a:r>
+            <a:endParaRPr lang="en-US"/>
           </a:p>
           <a:p>
             <a:pPr lvl="4"/>
@@ -1596,6 +1575,7 @@
               <a:rPr lang="en-US"/>
               <a:t>Fifth level</a:t>
             </a:r>
+            <a:endParaRPr lang="en-US"/>
           </a:p>
         </p:txBody>
       </p:sp>
@@ -1624,6 +1604,7 @@
               <a:rPr lang="en-US"/>
               <a:t>Edit Master text styles</a:t>
             </a:r>
+            <a:endParaRPr lang="en-US"/>
           </a:p>
           <a:p>
             <a:pPr lvl="1"/>
@@ -1631,6 +1612,7 @@
               <a:rPr lang="en-US"/>
               <a:t>Second level</a:t>
             </a:r>
+            <a:endParaRPr lang="en-US"/>
           </a:p>
           <a:p>
             <a:pPr lvl="2"/>
@@ -1638,6 +1620,7 @@
               <a:rPr lang="en-US"/>
               <a:t>Third level</a:t>
             </a:r>
+            <a:endParaRPr lang="en-US"/>
           </a:p>
           <a:p>
             <a:pPr lvl="3"/>
@@ -1645,6 +1628,7 @@
               <a:rPr lang="en-US"/>
               <a:t>Fourth level</a:t>
             </a:r>
+            <a:endParaRPr lang="en-US"/>
           </a:p>
           <a:p>
             <a:pPr lvl="4"/>
@@ -1652,6 +1636,7 @@
               <a:rPr lang="en-US"/>
               <a:t>Fifth level</a:t>
             </a:r>
+            <a:endParaRPr lang="en-US"/>
           </a:p>
         </p:txBody>
       </p:sp>
@@ -1672,7 +1657,6 @@
           <a:p>
             <a:fld id="{059A2738-E188-4F9C-9F82-F2F1BEF15032}" type="datetimeFigureOut">
               <a:rPr lang="en-US" smtClean="0"/>
-              <a:t>11/8/2020</a:t>
             </a:fld>
             <a:endParaRPr lang="en-US"/>
           </a:p>
@@ -1714,18 +1698,12 @@
           <a:p>
             <a:fld id="{664804C1-4862-4058-8DD7-73CB3463550B}" type="slidenum">
               <a:rPr lang="en-US" smtClean="0"/>
-              <a:t>‹#›</a:t>
             </a:fld>
             <a:endParaRPr lang="en-US"/>
           </a:p>
         </p:txBody>
       </p:sp>
     </p:spTree>
-    <p:extLst>
-      <p:ext uri="{BB962C8B-B14F-4D97-AF65-F5344CB8AC3E}">
-        <p14:creationId xmlns:p14="http://schemas.microsoft.com/office/powerpoint/2010/main" val="1323528442"/>
-      </p:ext>
-    </p:extLst>
   </p:cSld>
   <p:clrMapOvr>
     <a:masterClrMapping/>
@@ -1774,6 +1752,7 @@
               <a:rPr lang="en-US"/>
               <a:t>Click to edit Master title style</a:t>
             </a:r>
+            <a:endParaRPr lang="en-US"/>
           </a:p>
         </p:txBody>
       </p:sp>
@@ -1839,6 +1818,7 @@
               <a:rPr lang="en-US"/>
               <a:t>Edit Master text styles</a:t>
             </a:r>
+            <a:endParaRPr lang="en-US"/>
           </a:p>
         </p:txBody>
       </p:sp>
@@ -1867,6 +1847,7 @@
               <a:rPr lang="en-US"/>
               <a:t>Edit Master text styles</a:t>
             </a:r>
+            <a:endParaRPr lang="en-US"/>
           </a:p>
           <a:p>
             <a:pPr lvl="1"/>
@@ -1874,6 +1855,7 @@
               <a:rPr lang="en-US"/>
               <a:t>Second level</a:t>
             </a:r>
+            <a:endParaRPr lang="en-US"/>
           </a:p>
           <a:p>
             <a:pPr lvl="2"/>
@@ -1881,6 +1863,7 @@
               <a:rPr lang="en-US"/>
               <a:t>Third level</a:t>
             </a:r>
+            <a:endParaRPr lang="en-US"/>
           </a:p>
           <a:p>
             <a:pPr lvl="3"/>
@@ -1888,6 +1871,7 @@
               <a:rPr lang="en-US"/>
               <a:t>Fourth level</a:t>
             </a:r>
+            <a:endParaRPr lang="en-US"/>
           </a:p>
           <a:p>
             <a:pPr lvl="4"/>
@@ -1895,6 +1879,7 @@
               <a:rPr lang="en-US"/>
               <a:t>Fifth level</a:t>
             </a:r>
+            <a:endParaRPr lang="en-US"/>
           </a:p>
         </p:txBody>
       </p:sp>
@@ -1960,6 +1945,7 @@
               <a:rPr lang="en-US"/>
               <a:t>Edit Master text styles</a:t>
             </a:r>
+            <a:endParaRPr lang="en-US"/>
           </a:p>
         </p:txBody>
       </p:sp>
@@ -1988,6 +1974,7 @@
               <a:rPr lang="en-US"/>
               <a:t>Edit Master text styles</a:t>
             </a:r>
+            <a:endParaRPr lang="en-US"/>
           </a:p>
           <a:p>
             <a:pPr lvl="1"/>
@@ -1995,6 +1982,7 @@
               <a:rPr lang="en-US"/>
               <a:t>Second level</a:t>
             </a:r>
+            <a:endParaRPr lang="en-US"/>
           </a:p>
           <a:p>
             <a:pPr lvl="2"/>
@@ -2002,6 +1990,7 @@
               <a:rPr lang="en-US"/>
               <a:t>Third level</a:t>
             </a:r>
+            <a:endParaRPr lang="en-US"/>
           </a:p>
           <a:p>
             <a:pPr lvl="3"/>
@@ -2009,6 +1998,7 @@
               <a:rPr lang="en-US"/>
               <a:t>Fourth level</a:t>
             </a:r>
+            <a:endParaRPr lang="en-US"/>
           </a:p>
           <a:p>
             <a:pPr lvl="4"/>
@@ -2016,6 +2006,7 @@
               <a:rPr lang="en-US"/>
               <a:t>Fifth level</a:t>
             </a:r>
+            <a:endParaRPr lang="en-US"/>
           </a:p>
         </p:txBody>
       </p:sp>
@@ -2036,7 +2027,6 @@
           <a:p>
             <a:fld id="{059A2738-E188-4F9C-9F82-F2F1BEF15032}" type="datetimeFigureOut">
               <a:rPr lang="en-US" smtClean="0"/>
-              <a:t>11/8/2020</a:t>
             </a:fld>
             <a:endParaRPr lang="en-US"/>
           </a:p>
@@ -2078,18 +2068,12 @@
           <a:p>
             <a:fld id="{664804C1-4862-4058-8DD7-73CB3463550B}" type="slidenum">
               <a:rPr lang="en-US" smtClean="0"/>
-              <a:t>‹#›</a:t>
             </a:fld>
             <a:endParaRPr lang="en-US"/>
           </a:p>
         </p:txBody>
       </p:sp>
     </p:spTree>
-    <p:extLst>
-      <p:ext uri="{BB962C8B-B14F-4D97-AF65-F5344CB8AC3E}">
-        <p14:creationId xmlns:p14="http://schemas.microsoft.com/office/powerpoint/2010/main" val="2667201848"/>
-      </p:ext>
-    </p:extLst>
   </p:cSld>
   <p:clrMapOvr>
     <a:masterClrMapping/>
@@ -2133,6 +2117,7 @@
               <a:rPr lang="en-US"/>
               <a:t>Click to edit Master title style</a:t>
             </a:r>
+            <a:endParaRPr lang="en-US"/>
           </a:p>
         </p:txBody>
       </p:sp>
@@ -2153,7 +2138,6 @@
           <a:p>
             <a:fld id="{059A2738-E188-4F9C-9F82-F2F1BEF15032}" type="datetimeFigureOut">
               <a:rPr lang="en-US" smtClean="0"/>
-              <a:t>11/8/2020</a:t>
             </a:fld>
             <a:endParaRPr lang="en-US"/>
           </a:p>
@@ -2195,18 +2179,12 @@
           <a:p>
             <a:fld id="{664804C1-4862-4058-8DD7-73CB3463550B}" type="slidenum">
               <a:rPr lang="en-US" smtClean="0"/>
-              <a:t>‹#›</a:t>
             </a:fld>
             <a:endParaRPr lang="en-US"/>
           </a:p>
         </p:txBody>
       </p:sp>
     </p:spTree>
-    <p:extLst>
-      <p:ext uri="{BB962C8B-B14F-4D97-AF65-F5344CB8AC3E}">
-        <p14:creationId xmlns:p14="http://schemas.microsoft.com/office/powerpoint/2010/main" val="1080343498"/>
-      </p:ext>
-    </p:extLst>
   </p:cSld>
   <p:clrMapOvr>
     <a:masterClrMapping/>
@@ -2248,7 +2226,6 @@
           <a:p>
             <a:fld id="{059A2738-E188-4F9C-9F82-F2F1BEF15032}" type="datetimeFigureOut">
               <a:rPr lang="en-US" smtClean="0"/>
-              <a:t>11/8/2020</a:t>
             </a:fld>
             <a:endParaRPr lang="en-US"/>
           </a:p>
@@ -2290,18 +2267,12 @@
           <a:p>
             <a:fld id="{664804C1-4862-4058-8DD7-73CB3463550B}" type="slidenum">
               <a:rPr lang="en-US" smtClean="0"/>
-              <a:t>‹#›</a:t>
             </a:fld>
             <a:endParaRPr lang="en-US"/>
           </a:p>
         </p:txBody>
       </p:sp>
     </p:spTree>
-    <p:extLst>
-      <p:ext uri="{BB962C8B-B14F-4D97-AF65-F5344CB8AC3E}">
-        <p14:creationId xmlns:p14="http://schemas.microsoft.com/office/powerpoint/2010/main" val="358052316"/>
-      </p:ext>
-    </p:extLst>
   </p:cSld>
   <p:clrMapOvr>
     <a:masterClrMapping/>
@@ -2354,6 +2325,7 @@
               <a:rPr lang="en-US"/>
               <a:t>Click to edit Master title style</a:t>
             </a:r>
+            <a:endParaRPr lang="en-US"/>
           </a:p>
         </p:txBody>
       </p:sp>
@@ -2410,6 +2382,7 @@
               <a:rPr lang="en-US"/>
               <a:t>Edit Master text styles</a:t>
             </a:r>
+            <a:endParaRPr lang="en-US"/>
           </a:p>
           <a:p>
             <a:pPr lvl="1"/>
@@ -2417,6 +2390,7 @@
               <a:rPr lang="en-US"/>
               <a:t>Second level</a:t>
             </a:r>
+            <a:endParaRPr lang="en-US"/>
           </a:p>
           <a:p>
             <a:pPr lvl="2"/>
@@ -2424,6 +2398,7 @@
               <a:rPr lang="en-US"/>
               <a:t>Third level</a:t>
             </a:r>
+            <a:endParaRPr lang="en-US"/>
           </a:p>
           <a:p>
             <a:pPr lvl="3"/>
@@ -2431,6 +2406,7 @@
               <a:rPr lang="en-US"/>
               <a:t>Fourth level</a:t>
             </a:r>
+            <a:endParaRPr lang="en-US"/>
           </a:p>
           <a:p>
             <a:pPr lvl="4"/>
@@ -2438,6 +2414,7 @@
               <a:rPr lang="en-US"/>
               <a:t>Fifth level</a:t>
             </a:r>
+            <a:endParaRPr lang="en-US"/>
           </a:p>
         </p:txBody>
       </p:sp>
@@ -2503,6 +2480,7 @@
               <a:rPr lang="en-US"/>
               <a:t>Edit Master text styles</a:t>
             </a:r>
+            <a:endParaRPr lang="en-US"/>
           </a:p>
         </p:txBody>
       </p:sp>
@@ -2523,7 +2501,6 @@
           <a:p>
             <a:fld id="{059A2738-E188-4F9C-9F82-F2F1BEF15032}" type="datetimeFigureOut">
               <a:rPr lang="en-US" smtClean="0"/>
-              <a:t>11/8/2020</a:t>
             </a:fld>
             <a:endParaRPr lang="en-US"/>
           </a:p>
@@ -2565,18 +2542,12 @@
           <a:p>
             <a:fld id="{664804C1-4862-4058-8DD7-73CB3463550B}" type="slidenum">
               <a:rPr lang="en-US" smtClean="0"/>
-              <a:t>‹#›</a:t>
             </a:fld>
             <a:endParaRPr lang="en-US"/>
           </a:p>
         </p:txBody>
       </p:sp>
     </p:spTree>
-    <p:extLst>
-      <p:ext uri="{BB962C8B-B14F-4D97-AF65-F5344CB8AC3E}">
-        <p14:creationId xmlns:p14="http://schemas.microsoft.com/office/powerpoint/2010/main" val="2544737048"/>
-      </p:ext>
-    </p:extLst>
   </p:cSld>
   <p:clrMapOvr>
     <a:masterClrMapping/>
@@ -2629,6 +2600,7 @@
               <a:rPr lang="en-US"/>
               <a:t>Click to edit Master title style</a:t>
             </a:r>
+            <a:endParaRPr lang="en-US"/>
           </a:p>
         </p:txBody>
       </p:sp>
@@ -2755,6 +2727,7 @@
               <a:rPr lang="en-US"/>
               <a:t>Edit Master text styles</a:t>
             </a:r>
+            <a:endParaRPr lang="en-US"/>
           </a:p>
         </p:txBody>
       </p:sp>
@@ -2775,7 +2748,6 @@
           <a:p>
             <a:fld id="{059A2738-E188-4F9C-9F82-F2F1BEF15032}" type="datetimeFigureOut">
               <a:rPr lang="en-US" smtClean="0"/>
-              <a:t>11/8/2020</a:t>
             </a:fld>
             <a:endParaRPr lang="en-US"/>
           </a:p>
@@ -2817,18 +2789,12 @@
           <a:p>
             <a:fld id="{664804C1-4862-4058-8DD7-73CB3463550B}" type="slidenum">
               <a:rPr lang="en-US" smtClean="0"/>
-              <a:t>‹#›</a:t>
             </a:fld>
             <a:endParaRPr lang="en-US"/>
           </a:p>
         </p:txBody>
       </p:sp>
     </p:spTree>
-    <p:extLst>
-      <p:ext uri="{BB962C8B-B14F-4D97-AF65-F5344CB8AC3E}">
-        <p14:creationId xmlns:p14="http://schemas.microsoft.com/office/powerpoint/2010/main" val="3794054137"/>
-      </p:ext>
-    </p:extLst>
   </p:cSld>
   <p:clrMapOvr>
     <a:masterClrMapping/>
@@ -2887,6 +2853,7 @@
               <a:rPr lang="en-US"/>
               <a:t>Click to edit Master title style</a:t>
             </a:r>
+            <a:endParaRPr lang="en-US"/>
           </a:p>
         </p:txBody>
       </p:sp>
@@ -2920,6 +2887,7 @@
               <a:rPr lang="en-US"/>
               <a:t>Edit Master text styles</a:t>
             </a:r>
+            <a:endParaRPr lang="en-US"/>
           </a:p>
           <a:p>
             <a:pPr lvl="1"/>
@@ -2927,6 +2895,7 @@
               <a:rPr lang="en-US"/>
               <a:t>Second level</a:t>
             </a:r>
+            <a:endParaRPr lang="en-US"/>
           </a:p>
           <a:p>
             <a:pPr lvl="2"/>
@@ -2934,6 +2903,7 @@
               <a:rPr lang="en-US"/>
               <a:t>Third level</a:t>
             </a:r>
+            <a:endParaRPr lang="en-US"/>
           </a:p>
           <a:p>
             <a:pPr lvl="3"/>
@@ -2941,6 +2911,7 @@
               <a:rPr lang="en-US"/>
               <a:t>Fourth level</a:t>
             </a:r>
+            <a:endParaRPr lang="en-US"/>
           </a:p>
           <a:p>
             <a:pPr lvl="4"/>
@@ -2948,6 +2919,7 @@
               <a:rPr lang="en-US"/>
               <a:t>Fifth level</a:t>
             </a:r>
+            <a:endParaRPr lang="en-US"/>
           </a:p>
         </p:txBody>
       </p:sp>
@@ -2986,7 +2958,6 @@
           <a:p>
             <a:fld id="{059A2738-E188-4F9C-9F82-F2F1BEF15032}" type="datetimeFigureOut">
               <a:rPr lang="en-US" smtClean="0"/>
-              <a:t>11/8/2020</a:t>
             </a:fld>
             <a:endParaRPr lang="en-US"/>
           </a:p>
@@ -3064,18 +3035,12 @@
           <a:p>
             <a:fld id="{664804C1-4862-4058-8DD7-73CB3463550B}" type="slidenum">
               <a:rPr lang="en-US" smtClean="0"/>
-              <a:t>‹#›</a:t>
             </a:fld>
             <a:endParaRPr lang="en-US"/>
           </a:p>
         </p:txBody>
       </p:sp>
     </p:spTree>
-    <p:extLst>
-      <p:ext uri="{BB962C8B-B14F-4D97-AF65-F5344CB8AC3E}">
-        <p14:creationId xmlns:p14="http://schemas.microsoft.com/office/powerpoint/2010/main" val="205567077"/>
-      </p:ext>
-    </p:extLst>
   </p:cSld>
   <p:clrMap bg1="lt1" tx1="dk1" bg2="lt2" tx2="dk2" accent1="accent1" accent2="accent2" accent3="accent3" accent4="accent4" accent5="accent5" accent6="accent6" hlink="hlink" folHlink="folHlink"/>
   <p:sldLayoutIdLst>
@@ -3410,6 +3375,7 @@
               <a:rPr lang="en-US" dirty="0"/>
               <a:t>ECLT 5830</a:t>
             </a:r>
+            <a:endParaRPr lang="en-US" dirty="0"/>
           </a:p>
         </p:txBody>
       </p:sp>
@@ -3432,21 +3398,18 @@
               <a:rPr lang="en-US" dirty="0"/>
               <a:t>Assignment #3 Specification</a:t>
             </a:r>
+            <a:endParaRPr lang="en-US" dirty="0"/>
           </a:p>
           <a:p>
             <a:r>
               <a:rPr lang="en-US" dirty="0"/>
               <a:t>(Due: 30 Nov 2020, Monday) </a:t>
             </a:r>
+            <a:endParaRPr lang="en-US" dirty="0"/>
           </a:p>
         </p:txBody>
       </p:sp>
     </p:spTree>
-    <p:extLst>
-      <p:ext uri="{BB962C8B-B14F-4D97-AF65-F5344CB8AC3E}">
-        <p14:creationId xmlns:p14="http://schemas.microsoft.com/office/powerpoint/2010/main" val="2785485118"/>
-      </p:ext>
-    </p:extLst>
   </p:cSld>
   <p:clrMapOvr>
     <a:masterClrMapping/>
@@ -3493,6 +3456,10 @@
               </a:rPr>
               <a:t>Specification</a:t>
             </a:r>
+            <a:endParaRPr lang="en-US" dirty="0">
+              <a:latin typeface="Arial" panose="020B0604020202020204" pitchFamily="34" charset="0"/>
+              <a:cs typeface="Arial" panose="020B0604020202020204" pitchFamily="34" charset="0"/>
+            </a:endParaRPr>
           </a:p>
         </p:txBody>
       </p:sp>
@@ -3532,33 +3499,6 @@
               </a:rPr>
               <a:t>: In this assignment, you need to </a:t>
             </a:r>
-          </a:p>
-          <a:p>
-            <a:pPr lvl="1"/>
-            <a:r>
-              <a:rPr lang="en-US" dirty="0">
-                <a:latin typeface="Arial" panose="020B0604020202020204" pitchFamily="34" charset="0"/>
-                <a:cs typeface="Arial" panose="020B0604020202020204" pitchFamily="34" charset="0"/>
-              </a:rPr>
-              <a:t>Send asynchronous HTTP request from a browser to a web server</a:t>
-            </a:r>
-          </a:p>
-          <a:p>
-            <a:pPr lvl="1"/>
-            <a:r>
-              <a:rPr lang="en-US" dirty="0">
-                <a:latin typeface="Arial" panose="020B0604020202020204" pitchFamily="34" charset="0"/>
-                <a:cs typeface="Arial" panose="020B0604020202020204" pitchFamily="34" charset="0"/>
-              </a:rPr>
-              <a:t>Store/load data to/from </a:t>
-            </a:r>
-            <a:r>
-              <a:rPr lang="en-US" dirty="0" err="1">
-                <a:latin typeface="Consolas" panose="020B0609020204030204" pitchFamily="49" charset="0"/>
-                <a:cs typeface="Arial" panose="020B0604020202020204" pitchFamily="34" charset="0"/>
-              </a:rPr>
-              <a:t>window.localStorage</a:t>
-            </a:r>
             <a:endParaRPr lang="en-US" dirty="0">
               <a:latin typeface="Arial" panose="020B0604020202020204" pitchFamily="34" charset="0"/>
               <a:cs typeface="Arial" panose="020B0604020202020204" pitchFamily="34" charset="0"/>
@@ -3571,8 +3511,47 @@
                 <a:latin typeface="Arial" panose="020B0604020202020204" pitchFamily="34" charset="0"/>
                 <a:cs typeface="Arial" panose="020B0604020202020204" pitchFamily="34" charset="0"/>
               </a:rPr>
+              <a:t>Send asynchronous HTTP request from a browser to a web server</a:t>
+            </a:r>
+            <a:endParaRPr lang="en-US" dirty="0">
+              <a:latin typeface="Arial" panose="020B0604020202020204" pitchFamily="34" charset="0"/>
+              <a:cs typeface="Arial" panose="020B0604020202020204" pitchFamily="34" charset="0"/>
+            </a:endParaRPr>
+          </a:p>
+          <a:p>
+            <a:pPr lvl="1"/>
+            <a:r>
+              <a:rPr lang="en-US" dirty="0">
+                <a:latin typeface="Arial" panose="020B0604020202020204" pitchFamily="34" charset="0"/>
+                <a:cs typeface="Arial" panose="020B0604020202020204" pitchFamily="34" charset="0"/>
+              </a:rPr>
+              <a:t>Store/load data to/from </a:t>
+            </a:r>
+            <a:r>
+              <a:rPr lang="en-US" dirty="0" err="1">
+                <a:latin typeface="Consolas" panose="020B0609020204030204" pitchFamily="49" charset="0"/>
+                <a:cs typeface="Arial" panose="020B0604020202020204" pitchFamily="34" charset="0"/>
+              </a:rPr>
+              <a:t>window.localStorage</a:t>
+            </a:r>
+            <a:endParaRPr lang="en-US" dirty="0">
+              <a:latin typeface="Arial" panose="020B0604020202020204" pitchFamily="34" charset="0"/>
+              <a:cs typeface="Arial" panose="020B0604020202020204" pitchFamily="34" charset="0"/>
+            </a:endParaRPr>
+          </a:p>
+          <a:p>
+            <a:pPr lvl="1"/>
+            <a:r>
+              <a:rPr lang="en-US" dirty="0">
+                <a:latin typeface="Arial" panose="020B0604020202020204" pitchFamily="34" charset="0"/>
+                <a:cs typeface="Arial" panose="020B0604020202020204" pitchFamily="34" charset="0"/>
+              </a:rPr>
               <a:t>Set/Get data in HTTP request/response</a:t>
             </a:r>
+            <a:endParaRPr lang="en-US" dirty="0">
+              <a:latin typeface="Arial" panose="020B0604020202020204" pitchFamily="34" charset="0"/>
+              <a:cs typeface="Arial" panose="020B0604020202020204" pitchFamily="34" charset="0"/>
+            </a:endParaRPr>
           </a:p>
           <a:p>
             <a:pPr marL="457200" lvl="1" indent="0">
@@ -3591,15 +3570,14 @@
               </a:rPr>
               <a:t>You can find the specific requirements in the following slides.</a:t>
             </a:r>
+            <a:endParaRPr lang="en-US" dirty="0">
+              <a:latin typeface="Arial" panose="020B0604020202020204" pitchFamily="34" charset="0"/>
+              <a:cs typeface="Arial" panose="020B0604020202020204" pitchFamily="34" charset="0"/>
+            </a:endParaRPr>
           </a:p>
         </p:txBody>
       </p:sp>
     </p:spTree>
-    <p:extLst>
-      <p:ext uri="{BB962C8B-B14F-4D97-AF65-F5344CB8AC3E}">
-        <p14:creationId xmlns:p14="http://schemas.microsoft.com/office/powerpoint/2010/main" val="1282354879"/>
-      </p:ext>
-    </p:extLst>
   </p:cSld>
   <p:clrMapOvr>
     <a:masterClrMapping/>
@@ -3626,13 +3604,7 @@
       </p:grpSpPr>
       <p:sp>
         <p:nvSpPr>
-          <p:cNvPr id="3" name="Content Placeholder 2">
-            <a:extLst>
-              <a:ext uri="{FF2B5EF4-FFF2-40B4-BE49-F238E27FC236}">
-                <a16:creationId xmlns:a16="http://schemas.microsoft.com/office/drawing/2014/main" id="{D837E63A-B879-46A1-870D-E29F86FB6F79}"/>
-              </a:ext>
-            </a:extLst>
-          </p:cNvPr>
+          <p:cNvPr id="3" name="Content Placeholder 2"/>
           <p:cNvSpPr>
             <a:spLocks noGrp="1"/>
           </p:cNvSpPr>
@@ -3675,44 +3647,12 @@
               </a:rPr>
               <a:t>". Its hostname is "localhost:8080".</a:t>
             </a:r>
-          </a:p>
-          <a:p>
             <a:endParaRPr lang="en-US" sz="2400" dirty="0">
               <a:latin typeface="Arial" panose="020B0604020202020204" pitchFamily="34" charset="0"/>
               <a:cs typeface="Arial" panose="020B0604020202020204" pitchFamily="34" charset="0"/>
             </a:endParaRPr>
           </a:p>
           <a:p>
-            <a:r>
-              <a:rPr lang="en-US" sz="2400" b="1" dirty="0">
-                <a:latin typeface="Arial" panose="020B0604020202020204" pitchFamily="34" charset="0"/>
-                <a:cs typeface="Arial" panose="020B0604020202020204" pitchFamily="34" charset="0"/>
-              </a:rPr>
-              <a:t>Server B</a:t>
-            </a:r>
-            <a:r>
-              <a:rPr lang="en-US" sz="2400" dirty="0">
-                <a:latin typeface="Arial" panose="020B0604020202020204" pitchFamily="34" charset="0"/>
-                <a:cs typeface="Arial" panose="020B0604020202020204" pitchFamily="34" charset="0"/>
-              </a:rPr>
-              <a:t> refers to the server running as "</a:t>
-            </a:r>
-            <a:r>
-              <a:rPr lang="en-US" sz="2400" dirty="0">
-                <a:latin typeface="Consolas" panose="020B0609020204030204" pitchFamily="49" charset="0"/>
-                <a:cs typeface="Arial" panose="020B0604020202020204" pitchFamily="34" charset="0"/>
-              </a:rPr>
-              <a:t>node serverB.js</a:t>
-            </a:r>
-            <a:r>
-              <a:rPr lang="en-US" sz="2400" dirty="0">
-                <a:latin typeface="Arial" panose="020B0604020202020204" pitchFamily="34" charset="0"/>
-                <a:cs typeface="Arial" panose="020B0604020202020204" pitchFamily="34" charset="0"/>
-              </a:rPr>
-              <a:t>". Its hostname is "localhost:8081".</a:t>
-            </a:r>
-          </a:p>
-          <a:p>
             <a:endParaRPr lang="en-US" sz="2400" dirty="0">
               <a:latin typeface="Arial" panose="020B0604020202020204" pitchFamily="34" charset="0"/>
               <a:cs typeface="Arial" panose="020B0604020202020204" pitchFamily="34" charset="0"/>
@@ -3720,44 +3660,82 @@
           </a:p>
           <a:p>
             <a:r>
-              <a:rPr lang="en-US" sz="2400" dirty="0">
-                <a:latin typeface="Arial" panose="020B0604020202020204" pitchFamily="34" charset="0"/>
-                <a:cs typeface="Arial" panose="020B0604020202020204" pitchFamily="34" charset="0"/>
-              </a:rPr>
-              <a:t>You should not modify </a:t>
+              <a:rPr lang="en-US" sz="2400" b="1" dirty="0">
+                <a:latin typeface="Arial" panose="020B0604020202020204" pitchFamily="34" charset="0"/>
+                <a:cs typeface="Arial" panose="020B0604020202020204" pitchFamily="34" charset="0"/>
+              </a:rPr>
+              <a:t>Server B</a:t>
+            </a:r>
+            <a:r>
+              <a:rPr lang="en-US" sz="2400" dirty="0">
+                <a:latin typeface="Arial" panose="020B0604020202020204" pitchFamily="34" charset="0"/>
+                <a:cs typeface="Arial" panose="020B0604020202020204" pitchFamily="34" charset="0"/>
+              </a:rPr>
+              <a:t> refers to the server running as "</a:t>
             </a:r>
             <a:r>
               <a:rPr lang="en-US" sz="2400" dirty="0">
                 <a:latin typeface="Consolas" panose="020B0609020204030204" pitchFamily="49" charset="0"/>
                 <a:cs typeface="Arial" panose="020B0604020202020204" pitchFamily="34" charset="0"/>
               </a:rPr>
-              <a:t>serverA.js</a:t>
-            </a:r>
-            <a:r>
-              <a:rPr lang="en-US" sz="2400" dirty="0">
-                <a:latin typeface="Arial" panose="020B0604020202020204" pitchFamily="34" charset="0"/>
-                <a:cs typeface="Arial" panose="020B0604020202020204" pitchFamily="34" charset="0"/>
-              </a:rPr>
-              <a:t>.</a:t>
-            </a:r>
-          </a:p>
-          <a:p>
+              <a:t>node serverB.js</a:t>
+            </a:r>
+            <a:r>
+              <a:rPr lang="en-US" sz="2400" dirty="0">
+                <a:latin typeface="Arial" panose="020B0604020202020204" pitchFamily="34" charset="0"/>
+                <a:cs typeface="Arial" panose="020B0604020202020204" pitchFamily="34" charset="0"/>
+              </a:rPr>
+              <a:t>". Its hostname is "localhost:8081".</a:t>
+            </a:r>
             <a:endParaRPr lang="en-US" sz="2400" dirty="0">
               <a:latin typeface="Arial" panose="020B0604020202020204" pitchFamily="34" charset="0"/>
               <a:cs typeface="Arial" panose="020B0604020202020204" pitchFamily="34" charset="0"/>
             </a:endParaRPr>
           </a:p>
-        </p:txBody>
-      </p:sp>
-      <p:sp>
-        <p:nvSpPr>
-          <p:cNvPr id="5" name="Title 4">
-            <a:extLst>
-              <a:ext uri="{FF2B5EF4-FFF2-40B4-BE49-F238E27FC236}">
-                <a16:creationId xmlns:a16="http://schemas.microsoft.com/office/drawing/2014/main" id="{2B9B7A85-B8ED-48A7-9890-2B420DDBE70E}"/>
-              </a:ext>
-            </a:extLst>
-          </p:cNvPr>
+          <a:p>
+            <a:endParaRPr lang="en-US" sz="2400" dirty="0">
+              <a:latin typeface="Arial" panose="020B0604020202020204" pitchFamily="34" charset="0"/>
+              <a:cs typeface="Arial" panose="020B0604020202020204" pitchFamily="34" charset="0"/>
+            </a:endParaRPr>
+          </a:p>
+          <a:p>
+            <a:r>
+              <a:rPr lang="en-US" sz="2400" dirty="0">
+                <a:latin typeface="Arial" panose="020B0604020202020204" pitchFamily="34" charset="0"/>
+                <a:cs typeface="Arial" panose="020B0604020202020204" pitchFamily="34" charset="0"/>
+              </a:rPr>
+              <a:t>You should not modify </a:t>
+            </a:r>
+            <a:r>
+              <a:rPr lang="en-US" sz="2400" dirty="0">
+                <a:latin typeface="Consolas" panose="020B0609020204030204" pitchFamily="49" charset="0"/>
+                <a:cs typeface="Arial" panose="020B0604020202020204" pitchFamily="34" charset="0"/>
+              </a:rPr>
+              <a:t>serverA.js</a:t>
+            </a:r>
+            <a:r>
+              <a:rPr lang="en-US" sz="2400" dirty="0">
+                <a:latin typeface="Arial" panose="020B0604020202020204" pitchFamily="34" charset="0"/>
+                <a:cs typeface="Arial" panose="020B0604020202020204" pitchFamily="34" charset="0"/>
+              </a:rPr>
+              <a:t>.</a:t>
+            </a:r>
+            <a:endParaRPr lang="en-US" sz="2400" dirty="0">
+              <a:latin typeface="Arial" panose="020B0604020202020204" pitchFamily="34" charset="0"/>
+              <a:cs typeface="Arial" panose="020B0604020202020204" pitchFamily="34" charset="0"/>
+            </a:endParaRPr>
+          </a:p>
+          <a:p>
+            <a:endParaRPr lang="en-US" sz="2400" dirty="0">
+              <a:latin typeface="Arial" panose="020B0604020202020204" pitchFamily="34" charset="0"/>
+              <a:cs typeface="Arial" panose="020B0604020202020204" pitchFamily="34" charset="0"/>
+            </a:endParaRPr>
+          </a:p>
+        </p:txBody>
+      </p:sp>
+      <p:sp>
+        <p:nvSpPr>
+          <p:cNvPr id="5" name="Title 4"/>
           <p:cNvSpPr>
             <a:spLocks noGrp="1"/>
           </p:cNvSpPr>
@@ -3777,15 +3755,14 @@
               </a:rPr>
               <a:t>Notes</a:t>
             </a:r>
+            <a:endParaRPr lang="en-US" dirty="0">
+              <a:latin typeface="Arial" panose="020B0604020202020204" pitchFamily="34" charset="0"/>
+              <a:cs typeface="Arial" panose="020B0604020202020204" pitchFamily="34" charset="0"/>
+            </a:endParaRPr>
           </a:p>
         </p:txBody>
       </p:sp>
     </p:spTree>
-    <p:extLst>
-      <p:ext uri="{BB962C8B-B14F-4D97-AF65-F5344CB8AC3E}">
-        <p14:creationId xmlns:p14="http://schemas.microsoft.com/office/powerpoint/2010/main" val="1023543107"/>
-      </p:ext>
-    </p:extLst>
   </p:cSld>
   <p:clrMapOvr>
     <a:masterClrMapping/>
@@ -3812,13 +3789,7 @@
       </p:grpSpPr>
       <p:sp>
         <p:nvSpPr>
-          <p:cNvPr id="2" name="Title 1">
-            <a:extLst>
-              <a:ext uri="{FF2B5EF4-FFF2-40B4-BE49-F238E27FC236}">
-                <a16:creationId xmlns:a16="http://schemas.microsoft.com/office/drawing/2014/main" id="{1786A1A0-F824-4C7F-9937-83943ADE847E}"/>
-              </a:ext>
-            </a:extLst>
-          </p:cNvPr>
+          <p:cNvPr id="2" name="Title 1"/>
           <p:cNvSpPr>
             <a:spLocks noGrp="1"/>
           </p:cNvSpPr>
@@ -3845,18 +3816,16 @@
               </a:rPr>
               <a:t>Task 1: Retrieving data from server A via Ajax (40%)</a:t>
             </a:r>
-          </a:p>
-        </p:txBody>
-      </p:sp>
-      <p:sp>
-        <p:nvSpPr>
-          <p:cNvPr id="3" name="Content Placeholder 2">
-            <a:extLst>
-              <a:ext uri="{FF2B5EF4-FFF2-40B4-BE49-F238E27FC236}">
-                <a16:creationId xmlns:a16="http://schemas.microsoft.com/office/drawing/2014/main" id="{BCB6DAB0-A6DC-4DD2-83F1-4EDDAB8104E9}"/>
-              </a:ext>
-            </a:extLst>
-          </p:cNvPr>
+            <a:endParaRPr lang="en-US" sz="3600" dirty="0">
+              <a:latin typeface="Arial" panose="020B0604020202020204" pitchFamily="34" charset="0"/>
+              <a:cs typeface="Arial" panose="020B0604020202020204" pitchFamily="34" charset="0"/>
+            </a:endParaRPr>
+          </a:p>
+        </p:txBody>
+      </p:sp>
+      <p:sp>
+        <p:nvSpPr>
+          <p:cNvPr id="3" name="Content Placeholder 2"/>
           <p:cNvSpPr>
             <a:spLocks noGrp="1"/>
           </p:cNvSpPr>
@@ -3893,6 +3862,10 @@
               </a:rPr>
               <a:t>:</a:t>
             </a:r>
+            <a:endParaRPr lang="en-US" dirty="0">
+              <a:latin typeface="Arial" panose="020B0604020202020204" pitchFamily="34" charset="0"/>
+              <a:cs typeface="Arial" panose="020B0604020202020204" pitchFamily="34" charset="0"/>
+            </a:endParaRPr>
           </a:p>
           <a:p>
             <a:r>
@@ -3957,6 +3930,10 @@
               </a:rPr>
               <a:t>. The function should perform the following tasks</a:t>
             </a:r>
+            <a:endParaRPr lang="en-US" sz="2400" dirty="0">
+              <a:latin typeface="Arial" panose="020B0604020202020204" pitchFamily="34" charset="0"/>
+              <a:cs typeface="Arial" panose="020B0604020202020204" pitchFamily="34" charset="0"/>
+            </a:endParaRPr>
           </a:p>
           <a:p>
             <a:pPr lvl="1"/>
@@ -3988,6 +3965,10 @@
               </a:rPr>
               <a:t> to server A to retrieve the item data from server A (same origin)</a:t>
             </a:r>
+            <a:endParaRPr lang="en-US" dirty="0">
+              <a:latin typeface="Arial" panose="020B0604020202020204" pitchFamily="34" charset="0"/>
+              <a:cs typeface="Arial" panose="020B0604020202020204" pitchFamily="34" charset="0"/>
+            </a:endParaRPr>
           </a:p>
           <a:p>
             <a:pPr lvl="2"/>
@@ -4012,6 +3993,10 @@
               </a:rPr>
               <a:t>.</a:t>
             </a:r>
+            <a:endParaRPr lang="en-US" sz="2400" dirty="0">
+              <a:latin typeface="Arial" panose="020B0604020202020204" pitchFamily="34" charset="0"/>
+              <a:cs typeface="Arial" panose="020B0604020202020204" pitchFamily="34" charset="0"/>
+            </a:endParaRPr>
           </a:p>
           <a:p>
             <a:pPr lvl="1"/>
@@ -4057,6 +4042,10 @@
               </a:rPr>
               <a:t> to set the list items.</a:t>
             </a:r>
+            <a:endParaRPr lang="en-US" dirty="0">
+              <a:latin typeface="Arial" panose="020B0604020202020204" pitchFamily="34" charset="0"/>
+              <a:cs typeface="Arial" panose="020B0604020202020204" pitchFamily="34" charset="0"/>
+            </a:endParaRPr>
           </a:p>
           <a:p>
             <a:pPr lvl="2"/>
@@ -4076,6 +4065,10 @@
               </a:rPr>
               <a:t>Notes</a:t>
             </a:r>
+            <a:endParaRPr lang="en-US" sz="2400" b="1" dirty="0">
+              <a:latin typeface="Arial" panose="020B0604020202020204" pitchFamily="34" charset="0"/>
+              <a:cs typeface="Arial" panose="020B0604020202020204" pitchFamily="34" charset="0"/>
+            </a:endParaRPr>
           </a:p>
           <a:p>
             <a:r>
@@ -4113,6 +4106,10 @@
               </a:rPr>
               <a:t>()</a:t>
             </a:r>
+            <a:endParaRPr lang="en-US" sz="2400" dirty="0">
+              <a:latin typeface="Consolas" panose="020B0609020204030204" pitchFamily="49" charset="0"/>
+              <a:cs typeface="Arial" panose="020B0604020202020204" pitchFamily="34" charset="0"/>
+            </a:endParaRPr>
           </a:p>
           <a:p>
             <a:r>
@@ -4136,6 +4133,10 @@
               </a:rPr>
               <a:t> is called whenever "Retrieve All Items" button is clicked.</a:t>
             </a:r>
+            <a:endParaRPr lang="en-US" sz="2400" dirty="0">
+              <a:latin typeface="Arial" panose="020B0604020202020204" pitchFamily="34" charset="0"/>
+              <a:cs typeface="Arial" panose="020B0604020202020204" pitchFamily="34" charset="0"/>
+            </a:endParaRPr>
           </a:p>
           <a:p>
             <a:pPr marL="0" indent="0">
@@ -4149,11 +4150,6 @@
         </p:txBody>
       </p:sp>
     </p:spTree>
-    <p:extLst>
-      <p:ext uri="{BB962C8B-B14F-4D97-AF65-F5344CB8AC3E}">
-        <p14:creationId xmlns:p14="http://schemas.microsoft.com/office/powerpoint/2010/main" val="118184617"/>
-      </p:ext>
-    </p:extLst>
   </p:cSld>
   <p:clrMapOvr>
     <a:masterClrMapping/>
@@ -4180,13 +4176,7 @@
       </p:grpSpPr>
       <p:sp>
         <p:nvSpPr>
-          <p:cNvPr id="2" name="Title 1">
-            <a:extLst>
-              <a:ext uri="{FF2B5EF4-FFF2-40B4-BE49-F238E27FC236}">
-                <a16:creationId xmlns:a16="http://schemas.microsoft.com/office/drawing/2014/main" id="{1786A1A0-F824-4C7F-9937-83943ADE847E}"/>
-              </a:ext>
-            </a:extLst>
-          </p:cNvPr>
+          <p:cNvPr id="2" name="Title 1"/>
           <p:cNvSpPr>
             <a:spLocks noGrp="1"/>
           </p:cNvSpPr>
@@ -4227,18 +4217,16 @@
               </a:rPr>
               <a:t> (20%)</a:t>
             </a:r>
-          </a:p>
-        </p:txBody>
-      </p:sp>
-      <p:sp>
-        <p:nvSpPr>
-          <p:cNvPr id="3" name="Content Placeholder 2">
-            <a:extLst>
-              <a:ext uri="{FF2B5EF4-FFF2-40B4-BE49-F238E27FC236}">
-                <a16:creationId xmlns:a16="http://schemas.microsoft.com/office/drawing/2014/main" id="{BCB6DAB0-A6DC-4DD2-83F1-4EDDAB8104E9}"/>
-              </a:ext>
-            </a:extLst>
-          </p:cNvPr>
+            <a:endParaRPr lang="en-US" dirty="0">
+              <a:latin typeface="Arial" panose="020B0604020202020204" pitchFamily="34" charset="0"/>
+              <a:cs typeface="Arial" panose="020B0604020202020204" pitchFamily="34" charset="0"/>
+            </a:endParaRPr>
+          </a:p>
+        </p:txBody>
+      </p:sp>
+      <p:sp>
+        <p:nvSpPr>
+          <p:cNvPr id="3" name="Content Placeholder 2"/>
           <p:cNvSpPr>
             <a:spLocks noGrp="1"/>
           </p:cNvSpPr>
@@ -4275,6 +4263,10 @@
               </a:rPr>
               <a:t>:</a:t>
             </a:r>
+            <a:endParaRPr lang="en-US" dirty="0">
+              <a:latin typeface="Arial" panose="020B0604020202020204" pitchFamily="34" charset="0"/>
+              <a:cs typeface="Arial" panose="020B0604020202020204" pitchFamily="34" charset="0"/>
+            </a:endParaRPr>
           </a:p>
           <a:p>
             <a:r>
@@ -4394,14 +4386,18 @@
               </a:rPr>
               <a:t>.</a:t>
             </a:r>
-          </a:p>
-          <a:p>
             <a:endParaRPr lang="en-US" sz="2400" dirty="0">
               <a:latin typeface="Arial" panose="020B0604020202020204" pitchFamily="34" charset="0"/>
               <a:cs typeface="Arial" panose="020B0604020202020204" pitchFamily="34" charset="0"/>
             </a:endParaRPr>
           </a:p>
           <a:p>
+            <a:endParaRPr lang="en-US" sz="2400" dirty="0">
+              <a:latin typeface="Arial" panose="020B0604020202020204" pitchFamily="34" charset="0"/>
+              <a:cs typeface="Arial" panose="020B0604020202020204" pitchFamily="34" charset="0"/>
+            </a:endParaRPr>
+          </a:p>
+          <a:p>
             <a:pPr marL="0" indent="0">
               <a:buNone/>
             </a:pPr>
@@ -4426,22 +4422,30 @@
               </a:rPr>
               <a:t>):</a:t>
             </a:r>
-          </a:p>
-          <a:p>
-            <a:r>
-              <a:rPr lang="en-US" sz="2400" dirty="0" err="1">
+            <a:endParaRPr lang="en-US" sz="2400" b="1" dirty="0">
+              <a:latin typeface="Arial" panose="020B0604020202020204" pitchFamily="34" charset="0"/>
+              <a:cs typeface="Arial" panose="020B0604020202020204" pitchFamily="34" charset="0"/>
+            </a:endParaRPr>
+          </a:p>
+          <a:p>
+            <a:r>
+              <a:rPr lang="en-US" sz="2400" b="1" dirty="0" err="1">
                 <a:latin typeface="Consolas" panose="020B0609020204030204" pitchFamily="49" charset="0"/>
                 <a:cs typeface="Arial" panose="020B0604020202020204" pitchFamily="34" charset="0"/>
               </a:rPr>
               <a:t>app.selected</a:t>
             </a:r>
             <a:r>
-              <a:rPr lang="en-US" sz="2400" dirty="0">
+              <a:rPr lang="en-US" sz="2400" b="1" dirty="0">
                 <a:latin typeface="Arial" panose="020B0604020202020204" pitchFamily="34" charset="0"/>
                 <a:cs typeface="Arial" panose="020B0604020202020204" pitchFamily="34" charset="0"/>
               </a:rPr>
               <a:t> is an array that stores the ID's of the selected items.</a:t>
             </a:r>
+            <a:endParaRPr lang="en-US" sz="2400" dirty="0">
+              <a:latin typeface="Arial" panose="020B0604020202020204" pitchFamily="34" charset="0"/>
+              <a:cs typeface="Arial" panose="020B0604020202020204" pitchFamily="34" charset="0"/>
+            </a:endParaRPr>
           </a:p>
           <a:p>
             <a:r>
@@ -4451,6 +4455,10 @@
               </a:rPr>
               <a:t>User can select/unselect an item by clicking on the item.</a:t>
             </a:r>
+            <a:endParaRPr lang="en-US" sz="2400" dirty="0">
+              <a:latin typeface="Arial" panose="020B0604020202020204" pitchFamily="34" charset="0"/>
+              <a:cs typeface="Arial" panose="020B0604020202020204" pitchFamily="34" charset="0"/>
+            </a:endParaRPr>
           </a:p>
           <a:p>
             <a:r>
@@ -4487,6 +4495,10 @@
               </a:rPr>
               <a:t> is called whenever the "Save Selection" button is clicked.</a:t>
             </a:r>
+            <a:endParaRPr lang="en-US" sz="2400" dirty="0">
+              <a:latin typeface="Arial" panose="020B0604020202020204" pitchFamily="34" charset="0"/>
+              <a:cs typeface="Arial" panose="020B0604020202020204" pitchFamily="34" charset="0"/>
+            </a:endParaRPr>
           </a:p>
           <a:p>
             <a:r>
@@ -4524,15 +4536,14 @@
               </a:rPr>
               <a:t> is first loaded.</a:t>
             </a:r>
+            <a:endParaRPr lang="en-US" sz="2400" dirty="0">
+              <a:latin typeface="Arial" panose="020B0604020202020204" pitchFamily="34" charset="0"/>
+              <a:cs typeface="Arial" panose="020B0604020202020204" pitchFamily="34" charset="0"/>
+            </a:endParaRPr>
           </a:p>
         </p:txBody>
       </p:sp>
     </p:spTree>
-    <p:extLst>
-      <p:ext uri="{BB962C8B-B14F-4D97-AF65-F5344CB8AC3E}">
-        <p14:creationId xmlns:p14="http://schemas.microsoft.com/office/powerpoint/2010/main" val="2939410207"/>
-      </p:ext>
-    </p:extLst>
   </p:cSld>
   <p:clrMapOvr>
     <a:masterClrMapping/>
@@ -4559,13 +4570,7 @@
       </p:grpSpPr>
       <p:sp>
         <p:nvSpPr>
-          <p:cNvPr id="2" name="Title 1">
-            <a:extLst>
-              <a:ext uri="{FF2B5EF4-FFF2-40B4-BE49-F238E27FC236}">
-                <a16:creationId xmlns:a16="http://schemas.microsoft.com/office/drawing/2014/main" id="{1786A1A0-F824-4C7F-9937-83943ADE847E}"/>
-              </a:ext>
-            </a:extLst>
-          </p:cNvPr>
+          <p:cNvPr id="2" name="Title 1"/>
           <p:cNvSpPr>
             <a:spLocks noGrp="1"/>
           </p:cNvSpPr>
@@ -4592,18 +4597,16 @@
               </a:rPr>
               <a:t>Task 3: Sending selected data to server B (40%)</a:t>
             </a:r>
-          </a:p>
-        </p:txBody>
-      </p:sp>
-      <p:sp>
-        <p:nvSpPr>
-          <p:cNvPr id="3" name="Content Placeholder 2">
-            <a:extLst>
-              <a:ext uri="{FF2B5EF4-FFF2-40B4-BE49-F238E27FC236}">
-                <a16:creationId xmlns:a16="http://schemas.microsoft.com/office/drawing/2014/main" id="{BCB6DAB0-A6DC-4DD2-83F1-4EDDAB8104E9}"/>
-              </a:ext>
-            </a:extLst>
-          </p:cNvPr>
+            <a:endParaRPr lang="en-US" sz="3600" dirty="0">
+              <a:latin typeface="Arial" panose="020B0604020202020204" pitchFamily="34" charset="0"/>
+              <a:cs typeface="Arial" panose="020B0604020202020204" pitchFamily="34" charset="0"/>
+            </a:endParaRPr>
+          </a:p>
+        </p:txBody>
+      </p:sp>
+      <p:sp>
+        <p:nvSpPr>
+          <p:cNvPr id="3" name="Content Placeholder 2"/>
           <p:cNvSpPr>
             <a:spLocks noGrp="1"/>
           </p:cNvSpPr>
@@ -4640,6 +4643,10 @@
               </a:rPr>
               <a:t>:</a:t>
             </a:r>
+            <a:endParaRPr lang="en-US" dirty="0">
+              <a:latin typeface="Arial" panose="020B0604020202020204" pitchFamily="34" charset="0"/>
+              <a:cs typeface="Arial" panose="020B0604020202020204" pitchFamily="34" charset="0"/>
+            </a:endParaRPr>
           </a:p>
           <a:p>
             <a:r>
@@ -4732,6 +4739,10 @@
               </a:rPr>
               <a:t> to output the "array of integers" embedded in the response.</a:t>
             </a:r>
+            <a:endParaRPr lang="en-US" sz="2400" dirty="0">
+              <a:latin typeface="Arial" panose="020B0604020202020204" pitchFamily="34" charset="0"/>
+              <a:cs typeface="Arial" panose="020B0604020202020204" pitchFamily="34" charset="0"/>
+            </a:endParaRPr>
           </a:p>
           <a:p>
             <a:pPr lvl="1"/>
@@ -4783,6 +4794,10 @@
               </a:rPr>
               <a:t> in the following ways:</a:t>
             </a:r>
+            <a:endParaRPr lang="en-US" sz="2400" dirty="0">
+              <a:latin typeface="Arial" panose="020B0604020202020204" pitchFamily="34" charset="0"/>
+              <a:cs typeface="Arial" panose="020B0604020202020204" pitchFamily="34" charset="0"/>
+            </a:endParaRPr>
           </a:p>
           <a:p>
             <a:pPr lvl="1"/>
@@ -4807,6 +4822,10 @@
               </a:rPr>
               <a:t>" be the array of integers sent by the client</a:t>
             </a:r>
+            <a:endParaRPr lang="en-US" dirty="0">
+              <a:latin typeface="Arial" panose="020B0604020202020204" pitchFamily="34" charset="0"/>
+              <a:cs typeface="Arial" panose="020B0604020202020204" pitchFamily="34" charset="0"/>
+            </a:endParaRPr>
           </a:p>
           <a:p>
             <a:pPr lvl="1"/>
@@ -4845,6 +4864,10 @@
               </a:rPr>
               <a:t>"</a:t>
             </a:r>
+            <a:endParaRPr lang="en-US" dirty="0">
+              <a:latin typeface="Arial" panose="020B0604020202020204" pitchFamily="34" charset="0"/>
+              <a:cs typeface="Arial" panose="020B0604020202020204" pitchFamily="34" charset="0"/>
+            </a:endParaRPr>
           </a:p>
           <a:p>
             <a:pPr marL="914400" lvl="2" indent="0">
@@ -4857,6 +4880,10 @@
               </a:rPr>
               <a:t>Note: </a:t>
             </a:r>
+            <a:endParaRPr lang="en-US" sz="2400" dirty="0">
+              <a:latin typeface="Arial" panose="020B0604020202020204" pitchFamily="34" charset="0"/>
+              <a:cs typeface="Arial" panose="020B0604020202020204" pitchFamily="34" charset="0"/>
+            </a:endParaRPr>
           </a:p>
           <a:p>
             <a:pPr lvl="3"/>
@@ -4895,6 +4922,10 @@
               </a:rPr>
               <a:t>.</a:t>
             </a:r>
+            <a:endParaRPr lang="en-US" sz="2200" dirty="0">
+              <a:latin typeface="Arial" panose="020B0604020202020204" pitchFamily="34" charset="0"/>
+              <a:cs typeface="Arial" panose="020B0604020202020204" pitchFamily="34" charset="0"/>
+            </a:endParaRPr>
           </a:p>
           <a:p>
             <a:pPr lvl="3"/>
@@ -4905,6 +4936,10 @@
               </a:rPr>
               <a:t>This task simply simulates some processing carried out at server B.</a:t>
             </a:r>
+            <a:endParaRPr lang="en-US" sz="2200" dirty="0">
+              <a:latin typeface="Arial" panose="020B0604020202020204" pitchFamily="34" charset="0"/>
+              <a:cs typeface="Arial" panose="020B0604020202020204" pitchFamily="34" charset="0"/>
+            </a:endParaRPr>
           </a:p>
           <a:p>
             <a:pPr lvl="1"/>
@@ -4929,6 +4964,10 @@
               </a:rPr>
               <a:t>" to the client in the response.</a:t>
             </a:r>
+            <a:endParaRPr lang="en-US" dirty="0">
+              <a:latin typeface="Arial" panose="020B0604020202020204" pitchFamily="34" charset="0"/>
+              <a:cs typeface="Arial" panose="020B0604020202020204" pitchFamily="34" charset="0"/>
+            </a:endParaRPr>
           </a:p>
           <a:p>
             <a:pPr marL="0" indent="0">
@@ -4942,11 +4981,6 @@
         </p:txBody>
       </p:sp>
     </p:spTree>
-    <p:extLst>
-      <p:ext uri="{BB962C8B-B14F-4D97-AF65-F5344CB8AC3E}">
-        <p14:creationId xmlns:p14="http://schemas.microsoft.com/office/powerpoint/2010/main" val="2270192119"/>
-      </p:ext>
-    </p:extLst>
   </p:cSld>
   <p:clrMapOvr>
     <a:masterClrMapping/>
@@ -4973,13 +5007,7 @@
       </p:grpSpPr>
       <p:sp>
         <p:nvSpPr>
-          <p:cNvPr id="2" name="Title 1">
-            <a:extLst>
-              <a:ext uri="{FF2B5EF4-FFF2-40B4-BE49-F238E27FC236}">
-                <a16:creationId xmlns:a16="http://schemas.microsoft.com/office/drawing/2014/main" id="{1786A1A0-F824-4C7F-9937-83943ADE847E}"/>
-              </a:ext>
-            </a:extLst>
-          </p:cNvPr>
+          <p:cNvPr id="2" name="Title 1"/>
           <p:cNvSpPr>
             <a:spLocks noGrp="1"/>
           </p:cNvSpPr>
@@ -5006,18 +5034,16 @@
               </a:rPr>
               <a:t>Task 3: Sending data to server B (continue)</a:t>
             </a:r>
-          </a:p>
-        </p:txBody>
-      </p:sp>
-      <p:sp>
-        <p:nvSpPr>
-          <p:cNvPr id="3" name="Content Placeholder 2">
-            <a:extLst>
-              <a:ext uri="{FF2B5EF4-FFF2-40B4-BE49-F238E27FC236}">
-                <a16:creationId xmlns:a16="http://schemas.microsoft.com/office/drawing/2014/main" id="{BCB6DAB0-A6DC-4DD2-83F1-4EDDAB8104E9}"/>
-              </a:ext>
-            </a:extLst>
-          </p:cNvPr>
+            <a:endParaRPr lang="en-US" sz="2800" dirty="0">
+              <a:latin typeface="Arial" panose="020B0604020202020204" pitchFamily="34" charset="0"/>
+              <a:cs typeface="Arial" panose="020B0604020202020204" pitchFamily="34" charset="0"/>
+            </a:endParaRPr>
+          </a:p>
+        </p:txBody>
+      </p:sp>
+      <p:sp>
+        <p:nvSpPr>
+          <p:cNvPr id="3" name="Content Placeholder 2"/>
           <p:cNvSpPr>
             <a:spLocks noGrp="1"/>
           </p:cNvSpPr>
@@ -5054,66 +5080,92 @@
               </a:rPr>
               <a:t>:</a:t>
             </a:r>
-          </a:p>
-          <a:p>
-            <a:r>
-              <a:rPr lang="en-US" sz="2400" dirty="0">
-                <a:latin typeface="Arial" panose="020B0604020202020204" pitchFamily="34" charset="0"/>
-                <a:cs typeface="Arial" panose="020B0604020202020204" pitchFamily="34" charset="0"/>
-              </a:rPr>
-              <a:t>Server B is of different origin, so you need to </a:t>
-            </a:r>
-            <a:r>
-              <a:rPr lang="en-US" sz="2400" u="sng" dirty="0">
+            <a:endParaRPr lang="en-US" dirty="0">
+              <a:latin typeface="Arial" panose="020B0604020202020204" pitchFamily="34" charset="0"/>
+              <a:cs typeface="Arial" panose="020B0604020202020204" pitchFamily="34" charset="0"/>
+            </a:endParaRPr>
+          </a:p>
+          <a:p>
+            <a:r>
+              <a:rPr lang="en-US" sz="2400" dirty="0">
+                <a:latin typeface="Arial" panose="020B0604020202020204" pitchFamily="34" charset="0"/>
+                <a:cs typeface="Arial" panose="020B0604020202020204" pitchFamily="34" charset="0"/>
+              </a:rPr>
+              <a:t>Server B is of different origin, so you need to</a:t>
+            </a:r>
+            <a:r>
+              <a:rPr lang="en-US" sz="2400" b="1" dirty="0">
+                <a:latin typeface="Arial" panose="020B0604020202020204" pitchFamily="34" charset="0"/>
+                <a:cs typeface="Arial" panose="020B0604020202020204" pitchFamily="34" charset="0"/>
+              </a:rPr>
+              <a:t> </a:t>
+            </a:r>
+            <a:r>
+              <a:rPr lang="en-US" sz="2400" b="1" u="sng" dirty="0">
                 <a:latin typeface="Arial" panose="020B0604020202020204" pitchFamily="34" charset="0"/>
                 <a:cs typeface="Arial" panose="020B0604020202020204" pitchFamily="34" charset="0"/>
               </a:rPr>
               <a:t>enable CORS support</a:t>
             </a:r>
             <a:r>
-              <a:rPr lang="en-US" sz="2400" dirty="0">
-                <a:latin typeface="Arial" panose="020B0604020202020204" pitchFamily="34" charset="0"/>
-                <a:cs typeface="Arial" panose="020B0604020202020204" pitchFamily="34" charset="0"/>
-              </a:rPr>
-              <a:t> at server B.</a:t>
-            </a:r>
-          </a:p>
-          <a:p>
-            <a:r>
-              <a:rPr lang="en-US" sz="2400" dirty="0">
-                <a:latin typeface="Arial" panose="020B0604020202020204" pitchFamily="34" charset="0"/>
-                <a:cs typeface="Arial" panose="020B0604020202020204" pitchFamily="34" charset="0"/>
-              </a:rPr>
-              <a:t>In addition, you should configure the CORS support at server B so that </a:t>
-            </a:r>
-            <a:r>
-              <a:rPr lang="en-US" sz="2400" u="sng" dirty="0">
-                <a:latin typeface="Arial" panose="020B0604020202020204" pitchFamily="34" charset="0"/>
-                <a:cs typeface="Arial" panose="020B0604020202020204" pitchFamily="34" charset="0"/>
-              </a:rPr>
-              <a:t>only script originated from server A can send request to server B</a:t>
-            </a:r>
-            <a:r>
-              <a:rPr lang="en-US" sz="2400" dirty="0">
-                <a:latin typeface="Arial" panose="020B0604020202020204" pitchFamily="34" charset="0"/>
-                <a:cs typeface="Arial" panose="020B0604020202020204" pitchFamily="34" charset="0"/>
-              </a:rPr>
-              <a:t>.</a:t>
-            </a:r>
-          </a:p>
-          <a:p>
+              <a:rPr lang="en-US" sz="2400" b="1" dirty="0">
+                <a:latin typeface="Arial" panose="020B0604020202020204" pitchFamily="34" charset="0"/>
+                <a:cs typeface="Arial" panose="020B0604020202020204" pitchFamily="34" charset="0"/>
+              </a:rPr>
+              <a:t> </a:t>
+            </a:r>
+            <a:r>
+              <a:rPr lang="en-US" sz="2400" dirty="0">
+                <a:latin typeface="Arial" panose="020B0604020202020204" pitchFamily="34" charset="0"/>
+                <a:cs typeface="Arial" panose="020B0604020202020204" pitchFamily="34" charset="0"/>
+              </a:rPr>
+              <a:t>at server B.</a:t>
+            </a:r>
             <a:endParaRPr lang="en-US" sz="2400" dirty="0">
               <a:latin typeface="Arial" panose="020B0604020202020204" pitchFamily="34" charset="0"/>
               <a:cs typeface="Arial" panose="020B0604020202020204" pitchFamily="34" charset="0"/>
             </a:endParaRPr>
           </a:p>
           <a:p>
+            <a:r>
+              <a:rPr lang="en-US" sz="2400" dirty="0">
+                <a:latin typeface="Arial" panose="020B0604020202020204" pitchFamily="34" charset="0"/>
+                <a:cs typeface="Arial" panose="020B0604020202020204" pitchFamily="34" charset="0"/>
+              </a:rPr>
+              <a:t>In addition, you should configure the CORS support at server B so that </a:t>
+            </a:r>
+            <a:r>
+              <a:rPr lang="en-US" sz="2400" u="sng" dirty="0">
+                <a:latin typeface="Arial" panose="020B0604020202020204" pitchFamily="34" charset="0"/>
+                <a:cs typeface="Arial" panose="020B0604020202020204" pitchFamily="34" charset="0"/>
+              </a:rPr>
+              <a:t>only script originated from server A can send request to server B</a:t>
+            </a:r>
+            <a:r>
+              <a:rPr lang="en-US" sz="2400" dirty="0">
+                <a:latin typeface="Arial" panose="020B0604020202020204" pitchFamily="34" charset="0"/>
+                <a:cs typeface="Arial" panose="020B0604020202020204" pitchFamily="34" charset="0"/>
+              </a:rPr>
+              <a:t>.</a:t>
+            </a:r>
             <a:endParaRPr lang="en-US" sz="2400" dirty="0">
               <a:latin typeface="Arial" panose="020B0604020202020204" pitchFamily="34" charset="0"/>
               <a:cs typeface="Arial" panose="020B0604020202020204" pitchFamily="34" charset="0"/>
             </a:endParaRPr>
           </a:p>
           <a:p>
+            <a:endParaRPr lang="en-US" sz="2400" dirty="0">
+              <a:latin typeface="Arial" panose="020B0604020202020204" pitchFamily="34" charset="0"/>
+              <a:cs typeface="Arial" panose="020B0604020202020204" pitchFamily="34" charset="0"/>
+            </a:endParaRPr>
+          </a:p>
+          <a:p>
+            <a:endParaRPr lang="en-US" sz="2400" dirty="0">
+              <a:latin typeface="Arial" panose="020B0604020202020204" pitchFamily="34" charset="0"/>
+              <a:cs typeface="Arial" panose="020B0604020202020204" pitchFamily="34" charset="0"/>
+            </a:endParaRPr>
+          </a:p>
+          <a:p>
             <a:pPr marL="0" indent="0">
               <a:buNone/>
             </a:pPr>
@@ -5131,6 +5183,10 @@
               </a:rPr>
               <a:t>: </a:t>
             </a:r>
+            <a:endParaRPr lang="en-US" sz="2400" dirty="0">
+              <a:latin typeface="Arial" panose="020B0604020202020204" pitchFamily="34" charset="0"/>
+              <a:cs typeface="Arial" panose="020B0604020202020204" pitchFamily="34" charset="0"/>
+            </a:endParaRPr>
           </a:p>
           <a:p>
             <a:r>
@@ -5140,15 +5196,14 @@
               </a:rPr>
               <a:t>You need to decide how to format the data in the request/response and implement your client-side JS and server-side JS accordingly.</a:t>
             </a:r>
+            <a:endParaRPr lang="en-US" sz="2400" dirty="0">
+              <a:latin typeface="Arial" panose="020B0604020202020204" pitchFamily="34" charset="0"/>
+              <a:cs typeface="Arial" panose="020B0604020202020204" pitchFamily="34" charset="0"/>
+            </a:endParaRPr>
           </a:p>
         </p:txBody>
       </p:sp>
     </p:spTree>
-    <p:extLst>
-      <p:ext uri="{BB962C8B-B14F-4D97-AF65-F5344CB8AC3E}">
-        <p14:creationId xmlns:p14="http://schemas.microsoft.com/office/powerpoint/2010/main" val="4151025199"/>
-      </p:ext>
-    </p:extLst>
   </p:cSld>
   <p:clrMapOvr>
     <a:masterClrMapping/>
@@ -5195,6 +5250,10 @@
               </a:rPr>
               <a:t>Submission</a:t>
             </a:r>
+            <a:endParaRPr lang="en-US" dirty="0">
+              <a:latin typeface="Arial" panose="020B0604020202020204" pitchFamily="34" charset="0"/>
+              <a:cs typeface="Arial" panose="020B0604020202020204" pitchFamily="34" charset="0"/>
+            </a:endParaRPr>
           </a:p>
         </p:txBody>
       </p:sp>
@@ -5224,6 +5283,7 @@
               <a:rPr lang="en-US" sz="2400" dirty="0"/>
               <a:t>To submit your solution, please archive the folder containing all the files (including images) that make up your solution into a ZIP file, and upload the ZIP file to Blackboard.</a:t>
             </a:r>
+            <a:endParaRPr lang="en-US" sz="2400" dirty="0"/>
           </a:p>
           <a:p>
             <a:pPr lvl="1"/>
@@ -5231,6 +5291,7 @@
               <a:rPr lang="en-US" dirty="0"/>
               <a:t>For this assignment, the folder should be a Node.js project folder. </a:t>
             </a:r>
+            <a:endParaRPr lang="en-US" dirty="0"/>
           </a:p>
           <a:p>
             <a:pPr lvl="1"/>
@@ -5246,6 +5307,7 @@
               <a:rPr lang="en-US" dirty="0"/>
               <a:t>" before you prepare the ZIP file.</a:t>
             </a:r>
+            <a:endParaRPr lang="en-US" dirty="0"/>
           </a:p>
           <a:p>
             <a:pPr lvl="1"/>
@@ -5253,15 +5315,11 @@
               <a:rPr lang="en-US" dirty="0"/>
               <a:t>Please include your student ID in the filename of the ZIP file.</a:t>
             </a:r>
+            <a:endParaRPr lang="en-US" dirty="0"/>
           </a:p>
         </p:txBody>
       </p:sp>
     </p:spTree>
-    <p:extLst>
-      <p:ext uri="{BB962C8B-B14F-4D97-AF65-F5344CB8AC3E}">
-        <p14:creationId xmlns:p14="http://schemas.microsoft.com/office/powerpoint/2010/main" val="858150814"/>
-      </p:ext>
-    </p:extLst>
   </p:cSld>
   <p:clrMapOvr>
     <a:masterClrMapping/>
@@ -5312,7 +5370,7 @@
     </a:clrScheme>
     <a:fontScheme name="Office">
       <a:majorFont>
-        <a:latin typeface="Calibri Light" panose="020F0302020204030204"/>
+        <a:latin typeface="Calibri Light"/>
         <a:ea typeface=""/>
         <a:cs typeface=""/>
         <a:font script="Jpan" typeface="游ゴシック Light"/>
@@ -5345,26 +5403,9 @@
         <a:font script="Viet" typeface="Times New Roman"/>
         <a:font script="Uigh" typeface="Microsoft Uighur"/>
         <a:font script="Geor" typeface="Sylfaen"/>
-        <a:font script="Armn" typeface="Arial"/>
-        <a:font script="Bugi" typeface="Leelawadee UI"/>
-        <a:font script="Bopo" typeface="Microsoft JhengHei"/>
-        <a:font script="Java" typeface="Javanese Text"/>
-        <a:font script="Lisu" typeface="Segoe UI"/>
-        <a:font script="Mymr" typeface="Myanmar Text"/>
-        <a:font script="Nkoo" typeface="Ebrima"/>
-        <a:font script="Olck" typeface="Nirmala UI"/>
-        <a:font script="Osma" typeface="Ebrima"/>
-        <a:font script="Phag" typeface="Phagspa"/>
-        <a:font script="Syrn" typeface="Estrangelo Edessa"/>
-        <a:font script="Syrj" typeface="Estrangelo Edessa"/>
-        <a:font script="Syre" typeface="Estrangelo Edessa"/>
-        <a:font script="Sora" typeface="Nirmala UI"/>
-        <a:font script="Tale" typeface="Microsoft Tai Le"/>
-        <a:font script="Talu" typeface="Microsoft New Tai Lue"/>
-        <a:font script="Tfng" typeface="Ebrima"/>
       </a:majorFont>
       <a:minorFont>
-        <a:latin typeface="Calibri" panose="020F0502020204030204"/>
+        <a:latin typeface="Calibri"/>
         <a:ea typeface=""/>
         <a:cs typeface=""/>
         <a:font script="Jpan" typeface="游ゴシック"/>
@@ -5397,23 +5438,6 @@
         <a:font script="Viet" typeface="Arial"/>
         <a:font script="Uigh" typeface="Microsoft Uighur"/>
         <a:font script="Geor" typeface="Sylfaen"/>
-        <a:font script="Armn" typeface="Arial"/>
-        <a:font script="Bugi" typeface="Leelawadee UI"/>
-        <a:font script="Bopo" typeface="Microsoft JhengHei"/>
-        <a:font script="Java" typeface="Javanese Text"/>
-        <a:font script="Lisu" typeface="Segoe UI"/>
-        <a:font script="Mymr" typeface="Myanmar Text"/>
-        <a:font script="Nkoo" typeface="Ebrima"/>
-        <a:font script="Olck" typeface="Nirmala UI"/>
-        <a:font script="Osma" typeface="Ebrima"/>
-        <a:font script="Phag" typeface="Phagspa"/>
-        <a:font script="Syrn" typeface="Estrangelo Edessa"/>
-        <a:font script="Syrj" typeface="Estrangelo Edessa"/>
-        <a:font script="Syre" typeface="Estrangelo Edessa"/>
-        <a:font script="Sora" typeface="Nirmala UI"/>
-        <a:font script="Tale" typeface="Microsoft Tai Le"/>
-        <a:font script="Talu" typeface="Microsoft New Tai Lue"/>
-        <a:font script="Tfng" typeface="Ebrima"/>
       </a:minorFont>
     </a:fontScheme>
     <a:fmtScheme name="Office">
@@ -5554,8 +5578,6 @@
       </a:bgFillStyleLst>
     </a:fmtScheme>
   </a:themeElements>
-  <a:objectDefaults/>
-  <a:extraClrSchemeLst/>
   <a:extLst>
     <a:ext uri="{05A4C25C-085E-4340-85A3-A5531E510DB2}">
       <thm15:themeFamily xmlns:thm15="http://schemas.microsoft.com/office/thememl/2012/main" name="Office Theme" id="{62F939B6-93AF-4DB8-9C6B-D6C7DFDC589F}" vid="{4A3C46E8-61CC-4603-A589-7422A47A8E4A}"/>
@@ -5607,7 +5629,7 @@
     </a:clrScheme>
     <a:fontScheme name="Office">
       <a:majorFont>
-        <a:latin typeface="Calibri Light" panose="020F0302020204030204"/>
+        <a:latin typeface="Calibri Light"/>
         <a:ea typeface=""/>
         <a:cs typeface=""/>
         <a:font script="Jpan" typeface="游ゴシック Light"/>
@@ -5640,26 +5662,9 @@
         <a:font script="Viet" typeface="Times New Roman"/>
         <a:font script="Uigh" typeface="Microsoft Uighur"/>
         <a:font script="Geor" typeface="Sylfaen"/>
-        <a:font script="Armn" typeface="Arial"/>
-        <a:font script="Bugi" typeface="Leelawadee UI"/>
-        <a:font script="Bopo" typeface="Microsoft JhengHei"/>
-        <a:font script="Java" typeface="Javanese Text"/>
-        <a:font script="Lisu" typeface="Segoe UI"/>
-        <a:font script="Mymr" typeface="Myanmar Text"/>
-        <a:font script="Nkoo" typeface="Ebrima"/>
-        <a:font script="Olck" typeface="Nirmala UI"/>
-        <a:font script="Osma" typeface="Ebrima"/>
-        <a:font script="Phag" typeface="Phagspa"/>
-        <a:font script="Syrn" typeface="Estrangelo Edessa"/>
-        <a:font script="Syrj" typeface="Estrangelo Edessa"/>
-        <a:font script="Syre" typeface="Estrangelo Edessa"/>
-        <a:font script="Sora" typeface="Nirmala UI"/>
-        <a:font script="Tale" typeface="Microsoft Tai Le"/>
-        <a:font script="Talu" typeface="Microsoft New Tai Lue"/>
-        <a:font script="Tfng" typeface="Ebrima"/>
       </a:majorFont>
       <a:minorFont>
-        <a:latin typeface="Calibri" panose="020F0502020204030204"/>
+        <a:latin typeface="Calibri"/>
         <a:ea typeface=""/>
         <a:cs typeface=""/>
         <a:font script="Jpan" typeface="游ゴシック"/>
@@ -5692,23 +5697,6 @@
         <a:font script="Viet" typeface="Arial"/>
         <a:font script="Uigh" typeface="Microsoft Uighur"/>
         <a:font script="Geor" typeface="Sylfaen"/>
-        <a:font script="Armn" typeface="Arial"/>
-        <a:font script="Bugi" typeface="Leelawadee UI"/>
-        <a:font script="Bopo" typeface="Microsoft JhengHei"/>
-        <a:font script="Java" typeface="Javanese Text"/>
-        <a:font script="Lisu" typeface="Segoe UI"/>
-        <a:font script="Mymr" typeface="Myanmar Text"/>
-        <a:font script="Nkoo" typeface="Ebrima"/>
-        <a:font script="Olck" typeface="Nirmala UI"/>
-        <a:font script="Osma" typeface="Ebrima"/>
-        <a:font script="Phag" typeface="Phagspa"/>
-        <a:font script="Syrn" typeface="Estrangelo Edessa"/>
-        <a:font script="Syrj" typeface="Estrangelo Edessa"/>
-        <a:font script="Syre" typeface="Estrangelo Edessa"/>
-        <a:font script="Sora" typeface="Nirmala UI"/>
-        <a:font script="Tale" typeface="Microsoft Tai Le"/>
-        <a:font script="Talu" typeface="Microsoft New Tai Lue"/>
-        <a:font script="Tfng" typeface="Ebrima"/>
       </a:minorFont>
     </a:fontScheme>
     <a:fmtScheme name="Office">
@@ -5849,8 +5837,6 @@
       </a:bgFillStyleLst>
     </a:fmtScheme>
   </a:themeElements>
-  <a:objectDefaults/>
-  <a:extraClrSchemeLst/>
   <a:extLst>
     <a:ext uri="{05A4C25C-085E-4340-85A3-A5531E510DB2}">
       <thm15:themeFamily xmlns:thm15="http://schemas.microsoft.com/office/thememl/2012/main" name="Office Theme" id="{62F939B6-93AF-4DB8-9C6B-D6C7DFDC589F}" vid="{4A3C46E8-61CC-4603-A589-7422A47A8E4A}"/>
